--- a/Relatório de Vendas.pptx
+++ b/Relatório de Vendas.pptx
@@ -5,9 +5,9 @@
     <p:sldMasterId id="2147483648" r:id="rId4"/>
   </p:sldMasterIdLst>
   <p:sldIdLst>
-    <p:sldId id="256" r:id="rId5"/>
-    <p:sldId id="257" r:id="rId6"/>
-    <p:sldId id="258" r:id="rId7"/>
+    <p:sldId id="260" r:id="rId5"/>
+    <p:sldId id="259" r:id="rId6"/>
+    <p:sldId id="261" r:id="rId7"/>
   </p:sldIdLst>
   <p:sldSz cx="12192000" cy="6858000"/>
   <p:notesSz cx="6858000" cy="9144000"/>
@@ -3339,136 +3339,29 @@
           <a:chExt cx="0" cy="0"/>
         </a:xfrm>
       </p:grpSpPr>
-      <p:sp>
-        <p:nvSpPr>
-          <p:cNvPr id="6" name="Add-in_Banner">
-            <a:extLst>
-              <a:ext uri="{FF2B5EF4-FFF2-40B4-BE49-F238E27FC236}">
-                <a16:creationId xmlns:a16="http://schemas.microsoft.com/office/drawing/2014/main" id="{3469E413-BCF5-4E2F-BE4B-EB617C589FA5}"/>
-              </a:ext>
-            </a:extLst>
-          </p:cNvPr>
-          <p:cNvSpPr txBox="1">
-            <a:spLocks noGrp="1"/>
-          </p:cNvSpPr>
-          <p:nvPr>
-            <p:ph type="title"/>
-          </p:nvPr>
-        </p:nvSpPr>
-        <p:spPr>
-          <a:xfrm>
-            <a:off x="0" y="351395"/>
-            <a:ext cx="12192000" cy="640515"/>
-          </a:xfrm>
-          <a:prstGeom prst="rect">
-            <a:avLst/>
-          </a:prstGeom>
-          <a:solidFill>
-            <a:srgbClr val="494748">
-              <a:alpha val="4706"/>
-            </a:srgbClr>
-          </a:solidFill>
-          <a:ln>
-            <a:noFill/>
-          </a:ln>
-        </p:spPr>
-        <p:style>
-          <a:lnRef idx="2">
-            <a:schemeClr val="accent1">
-              <a:shade val="50000"/>
-            </a:schemeClr>
-          </a:lnRef>
-          <a:fillRef idx="1">
-            <a:schemeClr val="accent1"/>
-          </a:fillRef>
-          <a:effectRef idx="0">
-            <a:schemeClr val="accent1"/>
-          </a:effectRef>
-          <a:fontRef idx="minor">
-            <a:schemeClr val="lt1"/>
-          </a:fontRef>
-        </p:style>
-        <p:txBody>
-          <a:bodyPr rot="0" spcFirstLastPara="0" vert="horz" wrap="square" lIns="1332000" tIns="180000" rIns="216000" bIns="180000" numCol="1" spcCol="0" rtlCol="0" fromWordArt="0" anchor="ctr" anchorCtr="0" forceAA="0" compatLnSpc="1">
-            <a:prstTxWarp prst="textNoShape">
-              <a:avLst/>
-            </a:prstTxWarp>
-            <a:spAutoFit/>
-          </a:bodyPr>
-          <a:lstStyle/>
-          <a:p>
-            <a:pPr algn="l" rtl="0">
-              <a:spcAft>
-                <a:spcPts val="0"/>
-              </a:spcAft>
-            </a:pPr>
-            <a:r>
-              <a:rPr lang="en-GB" sz="1800" dirty="0">
-                <a:solidFill>
-                  <a:srgbClr val="000000"/>
-                </a:solidFill>
-                <a:effectLst/>
-                <a:latin typeface="Segoe UI Light" panose="020B0502040204020203" pitchFamily="34" charset="0"/>
-                <a:ea typeface="Calibri" panose="020F0502020204030204" pitchFamily="34" charset="0"/>
-                <a:cs typeface="Segoe UI Light" panose="020B0502040204020203" pitchFamily="34" charset="0"/>
-              </a:rPr>
-              <a:t>Microsoft Power BI</a:t>
-            </a:r>
-            <a:endParaRPr lang="en-IE" sz="1200" dirty="0">
-              <a:effectLst/>
-              <a:latin typeface="Segoe UI Light" panose="020B0502040204020203" pitchFamily="34" charset="0"/>
-              <a:ea typeface="Calibri" panose="020F0502020204030204" pitchFamily="34" charset="0"/>
-              <a:cs typeface="Segoe UI Light" panose="020B0502040204020203" pitchFamily="34" charset="0"/>
-            </a:endParaRPr>
-          </a:p>
-        </p:txBody>
-      </p:sp>
-      <p:pic>
-        <p:nvPicPr>
-          <p:cNvPr id="7" name="Add-in_Icon" descr="Ícone para Microsoft Power BI.">
-            <a:extLst>
-              <a:ext uri="{FF2B5EF4-FFF2-40B4-BE49-F238E27FC236}">
-                <a16:creationId xmlns:a16="http://schemas.microsoft.com/office/drawing/2014/main" id="{87D43E1C-7B4D-44A2-8E6D-6786349BFB58}"/>
-              </a:ext>
-            </a:extLst>
-          </p:cNvPr>
-          <p:cNvPicPr/>
-          <p:nvPr/>
-        </p:nvPicPr>
-        <p:blipFill>
-          <a:blip r:embed="rId2"/>
-          <a:stretch>
-            <a:fillRect/>
-          </a:stretch>
-        </p:blipFill>
-        <p:spPr bwMode="auto">
-          <a:xfrm>
-            <a:off x="914400" y="530365"/>
-            <a:ext cx="291465" cy="291465"/>
-          </a:xfrm>
-          <a:prstGeom prst="rect">
-            <a:avLst/>
-          </a:prstGeom>
-          <a:noFill/>
-        </p:spPr>
-      </p:pic>
       <mc:AlternateContent xmlns:mc="http://schemas.openxmlformats.org/markup-compatibility/2006">
         <mc:Choice xmlns:we="http://schemas.microsoft.com/office/webextensions/webextension/2010/11" xmlns:pca="http://schemas.microsoft.com/office/powerpoint/2013/contentapp" Requires="we pca">
           <p:graphicFrame>
             <p:nvGraphicFramePr>
-              <p:cNvPr id="2" name="Add-in" descr="Conteúdo do suplemento Microsoft Power BI."/>
+              <p:cNvPr id="4" name="Suplemento 3" title="Microsoft Power BI">
+                <a:extLst>
+                  <a:ext uri="{FF2B5EF4-FFF2-40B4-BE49-F238E27FC236}">
+                    <a16:creationId xmlns:a16="http://schemas.microsoft.com/office/drawing/2014/main" id="{9A772E9D-8F9B-E115-82D7-465A1D306291}"/>
+                  </a:ext>
+                </a:extLst>
+              </p:cNvPr>
               <p:cNvGraphicFramePr>
                 <a:graphicFrameLocks noGrp="1"/>
               </p:cNvGraphicFramePr>
               <p:nvPr/>
             </p:nvGraphicFramePr>
             <p:xfrm>
-              <a:off x="721012" y="1170879"/>
-              <a:ext cx="10749976" cy="5335725"/>
+              <a:off x="1524000" y="714374"/>
+              <a:ext cx="9144000" cy="5429250"/>
             </p:xfrm>
             <a:graphic>
               <a:graphicData uri="http://schemas.microsoft.com/office/webextensions/webextension/2010/11">
-                <we:webextensionref xmlns:we="http://schemas.microsoft.com/office/webextensions/webextension/2010/11" xmlns:r="http://schemas.openxmlformats.org/officeDocument/2006/relationships" r:id="rId3"/>
+                <we:webextensionref xmlns:we="http://schemas.microsoft.com/office/webextensions/webextension/2010/11" xmlns:r="http://schemas.openxmlformats.org/officeDocument/2006/relationships" r:id="rId2"/>
               </a:graphicData>
             </a:graphic>
           </p:graphicFrame>
@@ -3476,22 +3369,28 @@
         <mc:Fallback>
           <p:pic>
             <p:nvPicPr>
-              <p:cNvPr id="2" name="Add-in" descr="Conteúdo do suplemento Microsoft Power BI."/>
+              <p:cNvPr id="4" name="Suplemento 3" title="Microsoft Power BI">
+                <a:extLst>
+                  <a:ext uri="{FF2B5EF4-FFF2-40B4-BE49-F238E27FC236}">
+                    <a16:creationId xmlns:a16="http://schemas.microsoft.com/office/drawing/2014/main" id="{9A772E9D-8F9B-E115-82D7-465A1D306291}"/>
+                  </a:ext>
+                </a:extLst>
+              </p:cNvPr>
               <p:cNvPicPr>
                 <a:picLocks noGrp="1" noRot="1" noChangeAspect="1" noMove="1" noResize="1" noEditPoints="1" noAdjustHandles="1" noChangeArrowheads="1" noChangeShapeType="1"/>
               </p:cNvPicPr>
               <p:nvPr/>
             </p:nvPicPr>
             <p:blipFill>
-              <a:blip r:embed="rId4"/>
+              <a:blip r:embed="rId3"/>
               <a:stretch>
                 <a:fillRect/>
               </a:stretch>
             </p:blipFill>
             <p:spPr>
               <a:xfrm>
-                <a:off x="721012" y="1170879"/>
-                <a:ext cx="10749976" cy="5335725"/>
+                <a:off x="1524000" y="714374"/>
+                <a:ext cx="9144000" cy="5429250"/>
               </a:xfrm>
               <a:prstGeom prst="rect">
                 <a:avLst/>
@@ -3503,7 +3402,7 @@
     </p:spTree>
     <p:extLst>
       <p:ext uri="{BB962C8B-B14F-4D97-AF65-F5344CB8AC3E}">
-        <p14:creationId xmlns:p14="http://schemas.microsoft.com/office/powerpoint/2010/main" val="3211859542"/>
+        <p14:creationId xmlns:p14="http://schemas.microsoft.com/office/powerpoint/2010/main" val="130469405"/>
       </p:ext>
     </p:extLst>
   </p:cSld>
@@ -3537,7 +3436,7 @@
               <p:cNvPr id="4" name="Suplemento 3" title="Microsoft Power BI">
                 <a:extLst>
                   <a:ext uri="{FF2B5EF4-FFF2-40B4-BE49-F238E27FC236}">
-                    <a16:creationId xmlns:a16="http://schemas.microsoft.com/office/drawing/2014/main" id="{FDE4A228-7B60-55FE-3C83-39445F0CEE81}"/>
+                    <a16:creationId xmlns:a16="http://schemas.microsoft.com/office/drawing/2014/main" id="{7FE6D248-C501-C136-5FAD-18B38263ABE6}"/>
                   </a:ext>
                 </a:extLst>
               </p:cNvPr>
@@ -3547,8 +3446,8 @@
               <p:nvPr/>
             </p:nvGraphicFramePr>
             <p:xfrm>
-              <a:off x="1333500" y="571499"/>
-              <a:ext cx="9525000" cy="5715000"/>
+              <a:off x="1524000" y="714374"/>
+              <a:ext cx="9144000" cy="5429250"/>
             </p:xfrm>
             <a:graphic>
               <a:graphicData uri="http://schemas.microsoft.com/office/webextensions/webextension/2010/11">
@@ -3563,7 +3462,7 @@
               <p:cNvPr id="4" name="Suplemento 3" title="Microsoft Power BI">
                 <a:extLst>
                   <a:ext uri="{FF2B5EF4-FFF2-40B4-BE49-F238E27FC236}">
-                    <a16:creationId xmlns:a16="http://schemas.microsoft.com/office/drawing/2014/main" id="{FDE4A228-7B60-55FE-3C83-39445F0CEE81}"/>
+                    <a16:creationId xmlns:a16="http://schemas.microsoft.com/office/drawing/2014/main" id="{7FE6D248-C501-C136-5FAD-18B38263ABE6}"/>
                   </a:ext>
                 </a:extLst>
               </p:cNvPr>
@@ -3580,8 +3479,8 @@
             </p:blipFill>
             <p:spPr>
               <a:xfrm>
-                <a:off x="1333500" y="571499"/>
-                <a:ext cx="9525000" cy="5715000"/>
+                <a:off x="1524000" y="714374"/>
+                <a:ext cx="9144000" cy="5429250"/>
               </a:xfrm>
               <a:prstGeom prst="rect">
                 <a:avLst/>
@@ -3593,7 +3492,7 @@
     </p:spTree>
     <p:extLst>
       <p:ext uri="{BB962C8B-B14F-4D97-AF65-F5344CB8AC3E}">
-        <p14:creationId xmlns:p14="http://schemas.microsoft.com/office/powerpoint/2010/main" val="2366199587"/>
+        <p14:creationId xmlns:p14="http://schemas.microsoft.com/office/powerpoint/2010/main" val="482339843"/>
       </p:ext>
     </p:extLst>
   </p:cSld>
@@ -3627,7 +3526,7 @@
               <p:cNvPr id="4" name="Suplemento 3" title="Microsoft Power BI">
                 <a:extLst>
                   <a:ext uri="{FF2B5EF4-FFF2-40B4-BE49-F238E27FC236}">
-                    <a16:creationId xmlns:a16="http://schemas.microsoft.com/office/drawing/2014/main" id="{D91E48EC-B9BB-DC76-6C56-85F6B8738E8B}"/>
+                    <a16:creationId xmlns:a16="http://schemas.microsoft.com/office/drawing/2014/main" id="{D5242D8B-DE06-66EF-F9D5-A725DF2F1934}"/>
                   </a:ext>
                 </a:extLst>
               </p:cNvPr>
@@ -3637,8 +3536,8 @@
               <p:nvPr/>
             </p:nvGraphicFramePr>
             <p:xfrm>
-              <a:off x="1333500" y="571499"/>
-              <a:ext cx="9525000" cy="5715000"/>
+              <a:off x="1524000" y="714374"/>
+              <a:ext cx="9144000" cy="5429250"/>
             </p:xfrm>
             <a:graphic>
               <a:graphicData uri="http://schemas.microsoft.com/office/webextensions/webextension/2010/11">
@@ -3653,7 +3552,7 @@
               <p:cNvPr id="4" name="Suplemento 3" title="Microsoft Power BI">
                 <a:extLst>
                   <a:ext uri="{FF2B5EF4-FFF2-40B4-BE49-F238E27FC236}">
-                    <a16:creationId xmlns:a16="http://schemas.microsoft.com/office/drawing/2014/main" id="{D91E48EC-B9BB-DC76-6C56-85F6B8738E8B}"/>
+                    <a16:creationId xmlns:a16="http://schemas.microsoft.com/office/drawing/2014/main" id="{D5242D8B-DE06-66EF-F9D5-A725DF2F1934}"/>
                   </a:ext>
                 </a:extLst>
               </p:cNvPr>
@@ -3670,8 +3569,8 @@
             </p:blipFill>
             <p:spPr>
               <a:xfrm>
-                <a:off x="1333500" y="571499"/>
-                <a:ext cx="9525000" cy="5715000"/>
+                <a:off x="1524000" y="714374"/>
+                <a:ext cx="9144000" cy="5429250"/>
               </a:xfrm>
               <a:prstGeom prst="rect">
                 <a:avLst/>
@@ -3683,7 +3582,7 @@
     </p:spTree>
     <p:extLst>
       <p:ext uri="{BB962C8B-B14F-4D97-AF65-F5344CB8AC3E}">
-        <p14:creationId xmlns:p14="http://schemas.microsoft.com/office/powerpoint/2010/main" val="2412768649"/>
+        <p14:creationId xmlns:p14="http://schemas.microsoft.com/office/powerpoint/2010/main" val="3810214608"/>
       </p:ext>
     </p:extLst>
   </p:cSld>
@@ -3995,26 +3894,27 @@
 </file>
 
 <file path=ppt/webextensions/webextension1.xml><?xml version="1.0" encoding="utf-8"?>
-<we:webextension xmlns:we="http://schemas.microsoft.com/office/webextensions/webextension/2010/11" id="{2c3dbb0c-15e2-4846-a7a0-bb43f817f386}">
-  <we:reference id="WA200003233" version="2.0.0.3" store="pt-BR" storeType="OMEX"/>
-  <we:alternateReferences/>
+<we:webextension xmlns:we="http://schemas.microsoft.com/office/webextensions/webextension/2010/11" id="{49B5B443-4736-482A-B509-B239C77F8E38}">
+  <we:reference id="wa200003233" version="2.0.0.3" store="pt-BR" storeType="OMEX"/>
+  <we:alternateReferences>
+    <we:reference id="wa200003233" version="2.0.0.3" store="wa200003233" storeType="OMEX"/>
+  </we:alternateReferences>
   <we:properties>
-    <we:property name="Microsoft.Office.CampaignId" value="&quot;none&quot;"/>
-    <we:property name="reportUrl" value="&quot;/links/2xq75NCy2v?ctid=64947fb6-4cc6-4ea4-83d9-a69c0ffb4a61&amp;pbi_source=linkShare&amp;bookmarkGuid=692618be-2468-4694-a3c4-0e8ad96f2f77&amp;fromEntryPoint=share&quot;"/>
+    <we:property name="reportUrl" value="&quot;/groups/me/reports/344bfbca-8da1-45f1-a8b8-b7caa8fd7f9b/ReportSection?bookmarkGuid=8e87b764-297c-4644-8e28-9cfccfbfae12&amp;bookmarkUsage=1&amp;ctid=64947fb6-4cc6-4ea4-83d9-a69c0ffb4a61&amp;fromEntryPoint=export&quot;"/>
+    <we:property name="reportName" value="&quot;Relatório de Vendas&quot;"/>
     <we:property name="reportState" value="&quot;CONNECTED&quot;"/>
-    <we:property name="reportEmbeddedTime" value="&quot;2023-05-07T18:57:08.461Z&quot;"/>
-    <we:property name="creatorSessionId" value="&quot;1fbf0828-59ce-41f9-b7d4-f5f86c79926e&quot;"/>
+    <we:property name="embedUrl" value="&quot;/reportEmbed?reportId=344bfbca-8da1-45f1-a8b8-b7caa8fd7f9b&amp;config=eyJjbHVzdGVyVXJsIjoiaHR0cHM6Ly9XQUJJLUJSQVpJTC1TT1VUSC1CLVBSSU1BUlktcmVkaXJlY3QuYW5hbHlzaXMud2luZG93cy5uZXQiLCJlbWJlZEZlYXR1cmVzIjp7Im1vZGVybkVtYmVkIjp0cnVlLCJ1c2FnZU1ldHJpY3NWTmV4dCI6dHJ1ZX19&amp;disableSensitivityBanner=true&quot;"/>
+    <we:property name="pageName" value="&quot;ReportSection&quot;"/>
+    <we:property name="pageDisplayName" value="&quot;Página 1&quot;"/>
+    <we:property name="datasetId" value="&quot;51b8f3be-05e7-44a3-999d-0cccf8ad9587&quot;"/>
+    <we:property name="backgroundColor" value="&quot;#FFFFFF&quot;"/>
+    <we:property name="bookmark" value="&quot;H4sIAAAAAAAAA+1YUW/bNhD+K4Ze+uIYkqVYUt8St8OGZYPRBHkpguFEnh22NKmSVBYv8B/q39gf25GS3DpxE8ALkMKIn6i789133x2PlO4iLmwtYfUnLDF6G/2muGDAtRkk0TBSrfBU689LMJ8rKI7LskyOx0VZAEzybAxkpWsntLLR27vIgVmguxS2Aek9kvDj1TACKWew8E9zkBaHUY3GagVS/IOtMamcaXA9jPC2ltqAd3nuwKF3e0Pm9ExQklFKEYE5cYPnyFwr/YC1Nq5/Hka2XQVI2zrvLAScauVAKHLsZfMJVJzNEcdxmjCGxXGVBrmQrjOpVu9va0P5UJar2tNywm9AMeRRAG3Q2i7CyWJhcAF9wPdbyqmWzXKH/Fw3huEHnAeVcsKtKMZcKIohPEFrImdmNFEXNINzkNhKf2lUl13sH6/131ODRB33guEG75REC22ovvIB5OdCRUveMBc9xHFFEivUQnYV/1aKixZeLXB6Dcb5jqo+Ub087fQnbTia01Vg/p0wfSHHw3tQX5T19VXflWT86bv260hv4T8/y1drr0qKPIMYkzxLizyGrCxZ+WT7vmw7DH+SbeTrOZgRC3ivqMkeLQxk+/P38GMpv2wfZ3S2JAXLKs75GFge8zR/HcP7lBgXS1R77rtfBRow7Hp1hjcoH4LZ6B+qegiXYER7hAfgeybU3Uk2zqKtHN/5y4E3+w5Pt/7SCBhwHHBw0LrqUolOlH6UlMeKc8i8/PHvV7vPoc1kY2lrIm87d+fwe3qeHDKzXccddpJd+7RTPMcynSdJUqR5mWWYVBwn+0/xQ6btdRo97zSyki41Zmv+REukV1K/8GFCx9UtOoGtXvOgxtCQd9GZoCZtfV+CbLzbN6dgBXtDiNahx38w0oK5fR1oh5DkZqCFbQfK9p8j2voaLcOqrzndmqX/Z6v90qBZEeZg8Q3ryCMZbVCOdmAYeXLJmbB0nkqorW98/2GERBxD+r/jyu5xCT/TNEQ8gAuoJP7F5+OUZfP4KJ9AeZSNi/ioggyO8iIv0kkxoTdKuH+pbAsf0M2EUj003wr/I+PA9A9S3o5DRkZr59Pqyei3nGqkHEbsWkhuUAV67pt83Lm1x3GSnvVZXegFzZZNuG6vs2oSz8dYMhZertOYZ9y7eHQSObx1lb7dvgqF3+7hpBtna2A4A4U7hlToQY78iUEVvq5txtR6/R/OHVo+3hMAAA==&quot;"/>
+    <we:property name="initialStateBookmark" value="&quot;H4sIAAAAAAAAA+1Y0W7bOgz9lUAve0kDO/bipG9p1uFetN2CtujLUAy0xKQaVMuT5K5ZkR/ab9wfu5RsZ0ubtUBWoENQP8kkTR4eUrTsOyakLRUsPsA1sn32byEkB6FNJ2ZdVtTCg48fj07Gp0efP4xPDkmsSyd1Ydn+HXNg5ugupK1AeRck/HTZZaDUFOb+bgbKYpeVaKwuQMnvWBuTypkKl12Gt6XSBrzLMwcOvdsbMqd7ih33EooI3MkbPEPuaukpltq49r7LbL0KkNZ13lkIONGFA1mQYy+bDSAXfIbYj5KYcxy+zZMgl8o1Jvni8LY0lA9luSg9D2NxAwVHwQJog9Y2EcbzucE5tAEP15QTrarrDfIzXRmOpzgLqsJJt6AYM1lQDOkJWhI5U6OJuqDpnIHCWvq+KprsIn97pb9NDBJ1wgu6K7wTEs21oYKqB5CfCxUtRcUde4jjkiRWFnPVVPxnKc5reKXEyRUY5zsq/0L18rTTQ9oINAeLwPw7adpC9rv3oL4o68vLtivJ+Msv7deQXsN/fpYvl14VD7MUIoyzNBlmEaSjER892b4v2w7dv2Qb+Xp2psQC3itqvEULA9n+/T38WMov28fpKH4bD3maCyH6wLNIJNnrGN6mxDi/xmLLffePRAOGXy2O8QbVQzAr/UNVC+ECjKxf4QH4lgk1h5CVM7aW4zt/OPBmv+Bp1l8rCR2BHQEOaldNKmxc6EdJeaw4u8zLyX8/7DYvba4qS1sTRd25G4ff0/Nkl5ltOm63k2zap57iGY6SWRzHwyQbpSnGucDB9lN8l2l7nUbPO42sokONWZs/7Brpk9QvfJjQcWWNTmKt1yKoMTTkHTuW1KS17wtQlXf75gCs5G8I0TL0+G9GWjC3rwNtF5JcDbSw7aCw7e+Iur5Gq7Bqa06nZuWfrLVfKzQLwhwsfmLteSS9FcreBgw9Ty45k5bepwpK6xvf/xghkcCQ/hEu7BaH8GNNQ8QDOIdc4Wcx6yc8nUV72QBGe2l/GO3lkMJeNsyGyWA4oC9KuH+orAsf0E1lUbTQfCv8QcaB6d+kvB6HjIzWzqfVktFuuaJSqsv4lVTCYBHouW/yaePW7kdxctxmda7nNFtW4Zq9zvNBNOvjiPPwcZ1EIhXexaOTyOGty/Xt+lEoXJuHk66cLYHjFArcMKRCDwoUTwyq8HeNhSCERlKhn3jAJ7oaa8vl/z/wHa3/EwAA&quot;"/>
+    <we:property name="isFiltersActionButtonVisible" value="true"/>
+    <we:property name="reportEmbeddedTime" value="&quot;2023-05-07T21:40:40.983Z&quot;"/>
+    <we:property name="creatorTenantId" value="&quot;64947fb6-4cc6-4ea4-83d9-a69c0ffb4a61&quot;"/>
     <we:property name="creatorUserId" value="&quot;100320028CA24039&quot;"/>
-    <we:property name="creatorTenantId" value="&quot;64947fb6-4cc6-4ea4-83d9-a69c0ffb4a61&quot;"/>
-    <we:property name="reportName" value="&quot;Relatório de Vendas&quot;"/>
-    <we:property name="isFiltersActionButtonVisible" value="true"/>
-    <we:property name="initialStateBookmark" value="&quot;H4sIAAAAAAAAA+1Y0W7bOgz9lUAve0kDO/bipG9p1uFetN2CtujLUAy0xKQaVMuT5K5ZkR/ab9wfu5RsZ0ubtUBWoENQP8kkTR4eUrTsOyakLRUsPsA1sn32byEkB6FNJ2ZdVtTCg48fj07Gp0efP4xPDkmsSyd1Ydn+HXNg5ugupK1AeRck/HTZZaDUFOb+bgbKYpeVaKwuQMnvWBuTypkKl12Gt6XSBrzLMwcOvdsbMqd7ih33EooI3MkbPEPuaukpltq49r7LbL0KkNZ13lkIONGFA1mQYy+bDSAXfIbYj5KYcxy+zZMgl8o1Jvni8LY0lA9luSg9D2NxAwVHwQJog9Y2EcbzucE5tAEP15QTrarrDfIzXRmOpzgLqsJJt6AYM1lQDOkJWhI5U6OJuqDpnIHCWvq+KprsIn97pb9NDBJ1wgu6K7wTEs21oYKqB5CfCxUtRcUde4jjkiRWFnPVVPxnKc5reKXEyRUY5zsq/0L18rTTQ9oINAeLwPw7adpC9rv3oL4o68vLtivJ+Msv7deQXsN/fpYvl14VD7MUIoyzNBlmEaSjER892b4v2w7dv2Qb+Xp2psQC3itqvEULA9n+/T38WMov28fpKH4bD3maCyH6wLNIJNnrGN6mxDi/xmLLffePRAOGXy2O8QbVQzAr/UNVC+ECjKxf4QH4lgk1h5CVM7aW4zt/OPBmv+Bp1l8rCR2BHQEOaldNKmxc6EdJeaw4u8zLyX8/7DYvba4qS1sTRd25G4ff0/Nkl5ltOm63k2zap57iGY6SWRzHwyQbpSnGucDB9lN8l2l7nUbPO42sokONWZs/7Brpk9QvfJjQcWWNTmKt1yKoMTTkHTuW1KS17wtQlXf75gCs5G8I0TL0+G9GWjC3rwNtF5JcDbSw7aCw7e+Iur5Gq7Bqa06nZuWfrLVfKzQLwhwsfmLteSS9FcreBgw9Ty45k5bepwpK6xvf/xghkcCQ/hEu7BaH8GNNQ8QDOIdc4Wcx6yc8nUV72QBGe2l/GO3lkMJeNsyGyWA4oC9KuH+orAsf0E1lUbTQfCv8QcaB6d+kvB6HjIzWzqfVktFuuaJSqsv4lVTCYBHouW/yaePW7kdxctxmda7nNFtW4Zq9zvNBNOvjiPPwcZ1EIhXexaOTyOGty/Xt+lEoXJuHk66cLYHjFArcMKRCDwoUTwyq8HeNhSCERlKhn3jAJ7oaa8vl/z/wHa3/EwAA&quot;"/>
-    <we:property name="bookmark" value="&quot;H4sIAAAAAAAAA+1YUW/bNhD+K4Ze+uIYkqVYUt8St8OGZYPRBHkpguFEnh22NKmSVBYv8B/q39gf25GS3DpxE8ALkMKIn8i789133x1PlO4iLmwtYfUnLDF6G/2muGDAtRkk0TBSrfBU689LMJ/LCSRplfCY4fg4i4sJxIysdO2EVjZ6exc5MAt0l8I2IL1HEn68GkYg5QwWfjcHaXEY1WisViDFP9gak8qZBtfDCG9rqQ14l+cOHHq3N2ROe4KSjFKKCMyJGzxH5lrpB6y1cf1+GNl2FSBt67yzEHCqlQOhyLGXzSdQcTZHHMdpwhgWx1Ua5EK6zqRavb+tDeVDWa5qT8sJvwHFkEcBtEFruwgni4XBBfQB328pp1o2yx3yc90Yhh9wHlTKCbeiGHOhKIbwBK2JnJnRRF3QDM5BYiv9pVFddrHfXuu/pwaJOu4Fww3eKYkW2lB95QPIz4WKlrxhLnqI44okVqiF7Cr+rRQXLbxa4PQajPMdVX2ienna6U/acDSnq8D8O2H6Qo6H96C+KOvrq74ryfjTd+3Xkd7Cf36Wr9ZelRR5BjEmeZYWeQxZWbLyyfZ92XYY/iTHyNdzMCMW8F5Rkz1aGMj25+/hx1J+2T7OyuQ4KVhWcc7HwPKYp/nrGN6nxLhYotrz3P0q0IBh16szvEH5EMxG/1DVQ7gEI9pHeAC+Z0LdnWTjLNrK8Z2/HHiz7/B06y+NgAHHAQcHrasulehE6UdJeaw4h8zLH/9+tfs8tJlsLB1N5G3n7hx+T8+TQ2a267jDTrJrn3aK51im8yRJijQvswyTiuNk/yl+yLS9TqPnnUZW0qXGbM2faIn0SuoXPkzouLpFJ7DVax7UGBryLjoT1KSt70uQjXf75hSsYG8I0Tr0+A9GWjC3rwPtEJLcDLRw7EDZ/nNEW1+jZVj1Nadbs/T/bLVfGjQrwhwsvmEdeSSjDcrRDgwjTy45E5aepxJq6xvffxghEceQ/u+4sntcws80DREP4AIqiX/x+Thl2Tw+yidQHmXjIj6qIIOjvMiLdFJM6I0S7l8q28IHdDOhVA/Nt8L/yDgw/YOUt+OQkdHa+bR6MvojpxophxG7FpIbVIGe+yYfdx7tcZykZ31WF3pBs2UTrjvrrJrE8zGWjIWX6zTmGfcuHp1EDm9dpW+3r0Lht3s46cbZGhjOQOGOIRV6kCN/YlCFr2ubMbVe/wfg/c9u3hMAAA==&quot;"/>
-    <we:property name="embedUrl" value="&quot;/reportEmbed?reportId=344bfbca-8da1-45f1-a8b8-b7caa8fd7f9b&amp;config=eyJjbHVzdGVyVXJsIjoiaHR0cHM6Ly9XQUJJLUJSQVpJTC1TT1VUSC1CLVBSSU1BUlktcmVkaXJlY3QuYW5hbHlzaXMud2luZG93cy5uZXQiLCJlbWJlZEZlYXR1cmVzIjp7Im1vZGVybkVtYmVkIjp0cnVlLCJ1c2FnZU1ldHJpY3NWTmV4dCI6dHJ1ZX19&amp;disableSensitivityBanner=true&quot;"/>
-    <we:property name="datasetId" value="&quot;51b8f3be-05e7-44a3-999d-0cccf8ad9587&quot;"/>
-    <we:property name="pageDisplayName" value="&quot;Página 1&quot;"/>
-    <we:property name="backgroundColor" value="&quot;#FFFFFF&quot;"/>
-    <we:property name="isFooterCollapsed" value="true"/>
+    <we:property name="creatorSessionId" value="&quot;aee06c17-b134-47fc-adf7-63a36a90070a&quot;"/>
   </we:properties>
   <we:bindings/>
   <we:snapshot xmlns:r="http://schemas.openxmlformats.org/officeDocument/2006/relationships" r:embed="rId1"/>
@@ -4022,27 +3922,27 @@
 </file>
 
 <file path=ppt/webextensions/webextension2.xml><?xml version="1.0" encoding="utf-8"?>
-<we:webextension xmlns:we="http://schemas.microsoft.com/office/webextensions/webextension/2010/11" id="{F851BB3E-86A5-4EF5-AD7F-B01F2B7CCD40}">
+<we:webextension xmlns:we="http://schemas.microsoft.com/office/webextensions/webextension/2010/11" id="{1C733EFA-EB73-42B4-A3EA-71526D64B984}">
   <we:reference id="wa200003233" version="2.0.0.3" store="pt-BR" storeType="OMEX"/>
   <we:alternateReferences>
-    <we:reference id="WA200003233" version="2.0.0.3" store="WA200003233" storeType="OMEX"/>
+    <we:reference id="wa200003233" version="2.0.0.3" store="wa200003233" storeType="OMEX"/>
   </we:alternateReferences>
   <we:properties>
-    <we:property name="pptInsertionSessionID" value="&quot;699FB00D-F9AF-4D53-807B-32E1D97B7C84&quot;"/>
-    <we:property name="reportUrl" value="&quot;/links/2xq75NCy2v?ctid=64947fb6-4cc6-4ea4-83d9-a69c0ffb4a61&amp;pbi_source=linkShare&amp;bookmarkGuid=3cf8cb31-1b4d-42fd-a849-2b52fcc32c52&quot;"/>
+    <we:property name="reportUrl" value="&quot;/groups/me/reports/344bfbca-8da1-45f1-a8b8-b7caa8fd7f9b/ReportSection29af8c5aba7c048093e8?bookmarkGuid=fa44934b-b1d7-4014-a20f-5624a5a4bbc1&amp;bookmarkUsage=1&amp;ctid=64947fb6-4cc6-4ea4-83d9-a69c0ffb4a61&amp;fromEntryPoint=export&quot;"/>
     <we:property name="reportName" value="&quot;Relatório de Vendas&quot;"/>
     <we:property name="reportState" value="&quot;CONNECTED&quot;"/>
     <we:property name="embedUrl" value="&quot;/reportEmbed?reportId=344bfbca-8da1-45f1-a8b8-b7caa8fd7f9b&amp;config=eyJjbHVzdGVyVXJsIjoiaHR0cHM6Ly9XQUJJLUJSQVpJTC1TT1VUSC1CLVBSSU1BUlktcmVkaXJlY3QuYW5hbHlzaXMud2luZG93cy5uZXQiLCJlbWJlZEZlYXR1cmVzIjp7Im1vZGVybkVtYmVkIjp0cnVlLCJ1c2FnZU1ldHJpY3NWTmV4dCI6dHJ1ZX19&amp;disableSensitivityBanner=true&quot;"/>
+    <we:property name="pageName" value="&quot;ReportSection29af8c5aba7c048093e8&quot;"/>
     <we:property name="pageDisplayName" value="&quot;Página 2&quot;"/>
     <we:property name="datasetId" value="&quot;51b8f3be-05e7-44a3-999d-0cccf8ad9587&quot;"/>
     <we:property name="backgroundColor" value="&quot;#FFFFFF&quot;"/>
-    <we:property name="bookmark" value="&quot;H4sIAAAAAAAAA+1XS27bMBC9isG1UVAfW1J2iZOiBdIiqNtsCi9G5MhhIpMqRbl2A1+o1+jFSlLK10kcFAZiGF2ZnBnN570hOb4mXNRVCcvPMENyQD5KLhhwpXsB6RPZCo+UupqBvsp5FMVJlgxTSMIcWZYG1Fqpyggla3JwTQzoKZpzUTdQOo9W+H3SJ1CWZzB1uwLKGvukQl0rCaX4ha2xVRnd4KpPcFGVSoNzOTZg0LmdW3O7t6kE7yIbEZgRcxwjM630C1ZKm24fZlCkbAA5JIzGKc0iTO03dav1aW62d0F9YiMlDQhpE3CygEbpkEIU0yBLIuAJ0IGT10JOy66Uu2+/LisHn8GFydXCIZVf2pjO02plS4U0GxbF0KKaczbMeZCkQ/d1IUrTBcyXJ4tKWxQttq23Qz4HyZATD5XGukXmmhxOpxqnYLrtyQPlSJXN7An5WDWa4RcsvEoaYZY2RiGkjSEcLS7PM60sYV7zTQpT98aq5F7zvpEdB7HbXqifI42WNE4O6GpiJS8Cw0Dzh6jYjeaoj5a+4mOhbygO+48Sf/NqbXlWxMNokBZIQ9cJMSauP3acwt4YSqwfFUT3kb7nKm2pY2E4iAHTNIsHjAbBgCZ0I3Uji85UaXtHlmvsbSvtkWqk0UuyTkl/R1rILgthttBClcDRBWiz0230XLWryc1LZC0u7z0vXZO06W+/Kyb+8ciCKAuKgFNIY4o0ykPKdvzmeW3bvKLNPwjUoNnF8hTnWK6ndqtfV90kdA5atGOGL+Mfy+vmpltn5EHFx26AcWb38unWPxoBPY49DgZaV10p5FCqF8/+S3fQPuPy6c/v+glgNr9TZVPbI4G87eMnL5zN53ifke06br+L7NqnvT3TZJAhAxoFwAcRZUMWbp7b/j/+250fX3Eud2oQeH6efLtBwHfzHWRkhvYfuFuoxtQVMDwDiT5+1boQ6O1s44Dkjim/1u73VFg6WqLOoWwcR/7/OvFhfLS/KWDffDAQAAA=&quot;"/>
+    <we:property name="bookmark" value="&quot;H4sIAAAAAAAAA+1XS27bMBC9isG1UVA/W8oucVK0QFoEdZtN4cWIHDlMaFGlKNdu4Av1Gr1YSUr5OomDwkAMoyuTM6P5vUdyfE24qCsJy88wQ3JAPpZcMOBK9wLSJ2UrPFLqagb6KgjSNAp4loQhG3CgWR5H1kpVRqiyJgfXxICeojkXdQPSebTC75M+ASnPYOp2Bcga+6RCXasSpPiFrbFVGd3gqk9wUUmlwbkcGzDo3M6tud3bVIJ3LiIwI+Y4RmZa6ReslDbdPsygSFkCOQwZjVOaRZjab+pW69PcbO+C+sRGqjQgSpuAkwU0SgcUopgG2TACPgSaOHktyqnsSrn79uuycu0zuDC5WrhO5Zc2pvO0WtlSIc0GRTHgUZRzNsh5MEwH7utCSNMFzJcni0rbLtrett4O+RxKhpz4Vmms285ck8PpVOMUTLc9eaAcKdnMnpCPVaMZfsHCq0ojzNLGKERpYwgHi8vzTCsLmNd8K4Wpe2Mlude8b8oOg9htL9TPkUYLGicHdDWxkhcbw0Dzh12xG81RHy19xcdC30Ac9h8l/ubV2vKsiIdRkhZIQ8eEGIeOHzsOYW8MEutHBdF9hO+5SlvoWBgmMWCaZnHCaBAkdEg3Qjey3Zkqbe9IuYbettIeqaY0eknWIenvCIXsshBmCxSqBI4uQJudptFz1a4mNy+Rtbi897x0JGnT3z4rJv7xyIIoC4qAU0hjijTKQ8p2/OZ5LW1eQfMPAjVodrE8xTnK9dRu9euqm4TOQYt2zPBl/GN53dx064w8qPjYDTDO7F4+3fpHI6DHscfBQOuqK4UclurFs//SHbTPffn053f9RGM2v1Oyqe2RQN7y+MkLZ/M53ufOdozb7yI7+rS3ZzpMMmRAowB4ElE2YOHmue3/47/d+fEV53KnBoHn58m3GwQ8m+9aRmZo/4G7hWpMXQHDMyjRx69aFwK9nSUOlNwh5dfa/Z4KC0cL1DnIxmHk/68TH8ZH+ws+krIpMBAAAA==&quot;"/>
     <we:property name="initialStateBookmark" value="&quot;H4sIAAAAAAAAA+1XS27bMBC9isG1UVCSZUvZOU6KFvkibrMpjGJEjhwGjKhSlBs38IV6jV6sJKV8ncRBYSCG0ZXIGXJ+75Ec3RAuqlLC/BiukOyQzwUXDLjSnYB0SdEId09ODo6GZwffj4dH+1asSiNUUZGdG2JAT9Gci6oG6UxY4bdJl4CUpzB1sxxkhV1Soq5UAVL8wmaxVRld46JL8LqUSoMzOTZg0Jmd2eV2bn0HHyLrEZgRMxwjM430DEulTTsPU8gTFkMGA0Z7CU0jTOyeqtH6MFevd059YCNVGBCFDcDJAholfQpRjwbpIAI+ABo7eSWKqWxTud/7ZV66ehm8Npm6dpXKLq1PZ2mxsKlCkvbzvM+jKOOsn/FgkPTd7lxI0zrM5vvXpbZVtLVtrA35DAqGnPhSaayaytyQ4XSqcQqmne4/Uo6UrK+ekY9VrRmeYe5VhRFmbn3korA+hIPFxXmqlQXMa74WwlSdsZLcaz7WRYtBz00v1M+RRgsaJzt0MbGSVwvDQPPHVbETzVHvzn3Ge0LfQhx2nwT+7tna9KyIh1Gc5EhDx4QeDhw/NhzCzhgkVk8SotsI30uZNtCxMIx7gEmS9mJGgyCmA7oSupGtzlRpeynKJfTWFfZI1YXRc7IMSXdDKGSHuTBroFApcHQB2mw0jV7KdjG5fYnsissHz0tLkib89bNi4h+PNIjSIA84haRHkUZZSNmG3zxvpc0baP5JoAbNLuaHOEO5HNqdfll1G9A5aNG0GT6Nf0yvbZTujJFHGe+5BsYtexBPO/5RC+hw7HAw0JhqUyHDQr169l+7g7a5Lkd/flfPFGb1OyXryh4J5A2Pn71wVp/jba5sy7jtTrKlT3N7JoM4RQY0CoDHEWV9Fq7u2/4//uvtH99wLjeqEXi5n3y/RsCz+b5k5ArtH7gbqNpUJTA8hQK9/7IxIdCvs8SBgjuk/Fi776GwcDRAnYOsHUb+f514JxY7kUlcscH9xRMflo/uLzm4AXxREAAA&quot;"/>
     <we:property name="isFiltersActionButtonVisible" value="true"/>
-    <we:property name="reportEmbeddedTime" value="&quot;2023-05-07T18:59:47.707Z&quot;"/>
+    <we:property name="reportEmbeddedTime" value="&quot;2023-05-07T21:39:30.025Z&quot;"/>
     <we:property name="creatorTenantId" value="&quot;64947fb6-4cc6-4ea4-83d9-a69c0ffb4a61&quot;"/>
     <we:property name="creatorUserId" value="&quot;100320028CA24039&quot;"/>
-    <we:property name="creatorSessionId" value="&quot;cb1dd386-08bd-477b-a691-ff50e7ae90fb&quot;"/>
+    <we:property name="creatorSessionId" value="&quot;85210cb5-f5c6-45e8-9524-65ddd554a780&quot;"/>
   </we:properties>
   <we:bindings/>
   <we:snapshot xmlns:r="http://schemas.openxmlformats.org/officeDocument/2006/relationships" r:embed="rId1"/>
@@ -4050,27 +3950,27 @@
 </file>
 
 <file path=ppt/webextensions/webextension3.xml><?xml version="1.0" encoding="utf-8"?>
-<we:webextension xmlns:we="http://schemas.microsoft.com/office/webextensions/webextension/2010/11" id="{083B1FED-F50E-406B-A660-D4BCB7979BA1}">
+<we:webextension xmlns:we="http://schemas.microsoft.com/office/webextensions/webextension/2010/11" id="{C3FE4BB5-BFDA-4DE6-98D4-E204B455CE46}">
   <we:reference id="wa200003233" version="2.0.0.3" store="pt-BR" storeType="OMEX"/>
   <we:alternateReferences>
-    <we:reference id="WA200003233" version="2.0.0.3" store="WA200003233" storeType="OMEX"/>
+    <we:reference id="wa200003233" version="2.0.0.3" store="wa200003233" storeType="OMEX"/>
   </we:alternateReferences>
   <we:properties>
-    <we:property name="pptInsertionSessionID" value="&quot;699FB00D-F9AF-4D53-807B-32E1D97B7C84&quot;"/>
-    <we:property name="reportUrl" value="&quot;/links/2xq75NCy2v?ctid=64947fb6-4cc6-4ea4-83d9-a69c0ffb4a61&amp;pbi_source=linkShare&quot;"/>
+    <we:property name="reportUrl" value="&quot;/groups/me/reports/344bfbca-8da1-45f1-a8b8-b7caa8fd7f9b/ReportSection5655e9c59ab27092340d?bookmarkGuid=3d90eba5-bd49-4a30-9e97-f92858baae68&amp;bookmarkUsage=1&amp;ctid=64947fb6-4cc6-4ea4-83d9-a69c0ffb4a61&amp;fromEntryPoint=export&quot;"/>
     <we:property name="reportName" value="&quot;Relatório de Vendas&quot;"/>
     <we:property name="reportState" value="&quot;CONNECTED&quot;"/>
     <we:property name="embedUrl" value="&quot;/reportEmbed?reportId=344bfbca-8da1-45f1-a8b8-b7caa8fd7f9b&amp;config=eyJjbHVzdGVyVXJsIjoiaHR0cHM6Ly9XQUJJLUJSQVpJTC1TT1VUSC1CLVBSSU1BUlktcmVkaXJlY3QuYW5hbHlzaXMud2luZG93cy5uZXQiLCJlbWJlZEZlYXR1cmVzIjp7Im1vZGVybkVtYmVkIjp0cnVlLCJ1c2FnZU1ldHJpY3NWTmV4dCI6dHJ1ZX19&amp;disableSensitivityBanner=true&quot;"/>
+    <we:property name="pageName" value="&quot;ReportSection5655e9c59ab27092340d&quot;"/>
     <we:property name="pageDisplayName" value="&quot;Página 3&quot;"/>
     <we:property name="datasetId" value="&quot;51b8f3be-05e7-44a3-999d-0cccf8ad9587&quot;"/>
     <we:property name="backgroundColor" value="&quot;#FFFFFF&quot;"/>
-    <we:property name="bookmark" value="&quot;H4sIAAAAAAAAA+2WTW/UMBCG/0rl8wrla7NJb+1SJCSEqi70gvYwtiepW68dOU7Zpdr/zthJWVokyoGPCjjFHtszr995ouSOSdV3GnZvYYPsmL02UgmQ1h2lbMbMGDy19mYD7gZAiobPiwywrnjJAVNOu2znlTU9O75jHlyL/lL1A+iQkYIf1jMGWp9DG2YN6B5nrEPXWwNafcJxMy15N+B+xnDbaesgpFx58BjS3tJ2mpOU9EVOFUF4dYsrFH6MXmBnnZ/m83I+x1rMa+DZIqmzvEgknenH1Sjz6f2haBS2tMaDMiQgxJJs0QiRLPKkXMgC0zznVYj3yrR6usrh7LtdF+zzuPXcboNT/Jpqhkz7PV0VAArMizpJFmkCdSUXSRlON0r7qSDfnW07Ry6St2O2JXnSWkdd0iy65bAfzbljS6uHTRydPYiv7OAEXmATl4xXfkeZGmXACBXMD2rOnaW2xJWlHYx3uxi+sh+XDqkomZLsZ190nMhbOo3yGxEnbeuwBT9Nz36JwqMVaByjrwYzcZA8X73vjfL90cpq+bTmNUW+C9QGuocw3b8RVPD6K8wnVHYRn5/PxjpCXGZJXlRJWWR5KflcZhXP/kP8Qwpp2Cj/twFRZblI6zKvalFmnJciLepnAcQK2w0a/y8A0SlcXoHzj6mwTqI7Hfv/Urn7D2g2eyT8j952v/6d+B6oCPhGgg+WsQ3SD00Y2MH3HQg8B4OxfjemUBj3ESxgJMpp7MLzjSLex+Zcgh5CX+LvD4tlYrXPFFEpaH8JAAA=&quot;"/>
+    <we:property name="bookmark" value="&quot;H4sIAAAAAAAAA+2WTW/UMBCG/0rl8wo530lv7VIkJIRWXegF7WESz6ZuvXbkOMsu1f53xk7K0iJRDnxUwCn22J55/c4TJXdMyL5TsH8LG2Sn7LUWsgFh7EnEZkyPwXNjbjdgb0VW8aKuMMrKrKyjskzyhnaZzkmje3Z6xxzYFt2V7AdQPiMFP6xmDJRaQOtna1A9zliHtjcalPyE42ZacnbAw4zhrlPGgk+5dODQp93SdpqTlOhFQhWhcXKLS2zcGL3Ezlg3zbM8y7BqsgrquOBVnKRc0Jl+XA0yn97viwZhc6MdSE0CfIzHxbppeJHwvBApRklSlz7eS92q6SrHs+/2nbfP4c7VZuedqm+ops90ONBVASDFJK04LyIOVSkKnvvTa6ncVLDeX+w6Sy6St2O2OXnSGktdUiy4ZbEfzbljc6OGTRhdPIgvzWAbvMR1WNJOuj1lWksNupHefK9mYQ21JazMzaCd3Yfwtfk4t0hFyRR+mH3RcSa2dBrFNyLO2tZiC26aXvwShSdLUDhGXw164oA/X73vtXT9ydIo8bTmFUW+C9QGuocw3b8RVPDmK8wnVPYBn5/PxipAnMc8SUuep3GSizoTcVnH/yH+IYU0XEv3twFRxkkTVXlSVk0e13XeRGn1LIBYYrtB7f4FIDqJ82uw7jEVxgq052P/X0p7/wGNZ4+E/9HbHla/E98jFR7fQPDRMrZB+qHxAzO4voMGF6Ax1O/GFBLDPoIFtEAxja1/vpHE+9icK1CD70v4/WGhTKj2Gb1+rvt/CQAA&quot;"/>
     <we:property name="initialStateBookmark" value="&quot;H4sIAAAAAAAAA+1W32/aMBD+Vyo/o8kkIZC+UcakqWuLYOvLhKZLfKSujB05DoMh/vednXSsnTT2sB/VtifOn313n7/7ULxnQtaVgt01rJGds9dayAKEsWd91mO6BS9ubi6vxvPLD9fjqynBpnLS6Jqd75kDW6K7lXUDypcg8P2yx0CpGZR+tQJVY49VaGujQclP2B6mLWcbPPQYbitlLPiSCwcOfdkNHac19e6/iKkjFE5ucIGFa9E5Vsa6bj1IBwPMikEGeTTkWRQnXFBO3e4GmqfP+6aB2MRoB1ITAY/xaLgqCj6MeToUCfbjOB95vJa6VN1Vjrlvd5XXy+HW5WbrlcrvqaevdDjQVQEgwTjJOB/2OWQjMeSpz15J5bqG+W66rSypSNq21SakSWksjUWxoJbFuhVnzyZGNesQTR/hC9PYAue4ClvaSbejSiupQRfSi+/ZzKyhsYSdiWm0s7sA35mPE4vUlEThh94XHmOxoWwU35AYl6XFEly3nP4ShmcLUNiirxrd+YA/X77vtHT12cIocZrzkpDvGmoN1WMzPfwjqOH9VzbvrLIL9vn53lgGE6cRj5MRT5MoTkU+ENEoj/6b+IcYUriS7m8zxCiKi36WxqOsSKM8T4t+kj0LQyywXKN2/4IhKomTO7DuqSuMFWgv2vm/lPbhAxr1nhD/o7c9LH+nfY+u8PYNDj5KxtZIDxofmMbVFRQ4A42hf9WWkBjOkVlACxRdbP3vG0l+b4dzC6rxcwnPHxaa0LxkrvBEgn8UsUArsPsMDChpvKAJAAA=&quot;"/>
     <we:property name="isFiltersActionButtonVisible" value="true"/>
-    <we:property name="reportEmbeddedTime" value="&quot;2023-05-07T19:00:13.228Z&quot;"/>
+    <we:property name="reportEmbeddedTime" value="&quot;2023-05-07T21:41:14.660Z&quot;"/>
     <we:property name="creatorTenantId" value="&quot;64947fb6-4cc6-4ea4-83d9-a69c0ffb4a61&quot;"/>
     <we:property name="creatorUserId" value="&quot;100320028CA24039&quot;"/>
-    <we:property name="creatorSessionId" value="&quot;deb85b38-03c0-4452-bbaf-e6d94581c66c&quot;"/>
+    <we:property name="creatorSessionId" value="&quot;303d0beb-5270-455c-908e-74e95e16f175&quot;"/>
   </we:properties>
   <we:bindings/>
   <we:snapshot xmlns:r="http://schemas.openxmlformats.org/officeDocument/2006/relationships" r:embed="rId1"/>
